--- a/Analysis_of_the_Closest_Pair_Problem.pptx
+++ b/Analysis_of_the_Closest_Pair_Problem.pptx
@@ -20,6 +20,7 @@
     <p:sldId id="266" r:id="rId14"/>
     <p:sldId id="270" r:id="rId15"/>
     <p:sldId id="267" r:id="rId16"/>
+    <p:sldId id="271" r:id="rId17"/>
   </p:sldIdLst>
   <p:sldSz cx="12192000" cy="6858000"/>
   <p:notesSz cx="6858000" cy="9144000"/>
@@ -129,7 +130,7 @@
 <file path=ppt/revisionInfo.xml><?xml version="1.0" encoding="utf-8"?>
 <p1510:revInfo xmlns:a="http://schemas.openxmlformats.org/drawingml/2006/main" xmlns:r="http://schemas.openxmlformats.org/officeDocument/2006/relationships" xmlns:p1510="http://schemas.microsoft.com/office/powerpoint/2015/10/main">
   <p1510:revLst>
-    <p1510:client id="{A16BA33B-BEF3-4F11-83A6-0C0E40FDFFE6}" v="11" dt="2020-12-14T06:54:57.083"/>
+    <p1510:client id="{A16BA33B-BEF3-4F11-83A6-0C0E40FDFFE6}" v="12" dt="2020-12-14T14:24:46.091"/>
   </p1510:revLst>
 </p1510:revInfo>
 </file>
@@ -139,7 +140,7 @@
   <pc:docChgLst>
     <pc:chgData name="Ramon Chavarro" userId="348a9de3fa1eef00" providerId="LiveId" clId="{A16BA33B-BEF3-4F11-83A6-0C0E40FDFFE6}"/>
     <pc:docChg chg="undo custSel addSld modSld">
-      <pc:chgData name="Ramon Chavarro" userId="348a9de3fa1eef00" providerId="LiveId" clId="{A16BA33B-BEF3-4F11-83A6-0C0E40FDFFE6}" dt="2020-12-14T06:58:04.545" v="894" actId="20577"/>
+      <pc:chgData name="Ramon Chavarro" userId="348a9de3fa1eef00" providerId="LiveId" clId="{A16BA33B-BEF3-4F11-83A6-0C0E40FDFFE6}" dt="2020-12-14T14:25:21.237" v="944" actId="403"/>
       <pc:docMkLst>
         <pc:docMk/>
       </pc:docMkLst>
@@ -455,6 +456,37 @@
             <ac:picMk id="5" creationId="{ED202BAE-014D-4669-A77F-9AEA5631328C}"/>
           </ac:picMkLst>
         </pc:picChg>
+      </pc:sldChg>
+      <pc:sldChg chg="addSp delSp modSp new mod">
+        <pc:chgData name="Ramon Chavarro" userId="348a9de3fa1eef00" providerId="LiveId" clId="{A16BA33B-BEF3-4F11-83A6-0C0E40FDFFE6}" dt="2020-12-14T14:25:21.237" v="944" actId="403"/>
+        <pc:sldMkLst>
+          <pc:docMk/>
+          <pc:sldMk cId="3214277478" sldId="271"/>
+        </pc:sldMkLst>
+        <pc:spChg chg="mod">
+          <ac:chgData name="Ramon Chavarro" userId="348a9de3fa1eef00" providerId="LiveId" clId="{A16BA33B-BEF3-4F11-83A6-0C0E40FDFFE6}" dt="2020-12-14T14:24:00.990" v="935" actId="20577"/>
+          <ac:spMkLst>
+            <pc:docMk/>
+            <pc:sldMk cId="3214277478" sldId="271"/>
+            <ac:spMk id="2" creationId="{CF2D6C41-E3E0-4011-B4A4-4832FC93E979}"/>
+          </ac:spMkLst>
+        </pc:spChg>
+        <pc:spChg chg="del">
+          <ac:chgData name="Ramon Chavarro" userId="348a9de3fa1eef00" providerId="LiveId" clId="{A16BA33B-BEF3-4F11-83A6-0C0E40FDFFE6}" dt="2020-12-14T14:24:04.527" v="936" actId="478"/>
+          <ac:spMkLst>
+            <pc:docMk/>
+            <pc:sldMk cId="3214277478" sldId="271"/>
+            <ac:spMk id="3" creationId="{771557FB-6A7F-4FD5-BEBB-3FA5ACFD3759}"/>
+          </ac:spMkLst>
+        </pc:spChg>
+        <pc:graphicFrameChg chg="add mod modGraphic">
+          <ac:chgData name="Ramon Chavarro" userId="348a9de3fa1eef00" providerId="LiveId" clId="{A16BA33B-BEF3-4F11-83A6-0C0E40FDFFE6}" dt="2020-12-14T14:25:21.237" v="944" actId="403"/>
+          <ac:graphicFrameMkLst>
+            <pc:docMk/>
+            <pc:sldMk cId="3214277478" sldId="271"/>
+            <ac:graphicFrameMk id="4" creationId="{74D911B0-89C0-466F-B43E-DCCD833AAE4D}"/>
+          </ac:graphicFrameMkLst>
+        </pc:graphicFrameChg>
       </pc:sldChg>
     </pc:docChg>
   </pc:docChgLst>
@@ -6952,8 +6984,8 @@
           </a:p>
         </p:txBody>
       </p:sp>
-      <mc:AlternateContent xmlns:mc="http://schemas.openxmlformats.org/markup-compatibility/2006">
-        <mc:Choice xmlns:a14="http://schemas.microsoft.com/office/drawing/2010/main" Requires="a14">
+      <mc:AlternateContent xmlns:mc="http://schemas.openxmlformats.org/markup-compatibility/2006" xmlns:a14="http://schemas.microsoft.com/office/drawing/2010/main">
+        <mc:Choice Requires="a14">
           <p:sp>
             <p:nvSpPr>
               <p:cNvPr id="8" name="TextBox 7">
@@ -7103,7 +7135,7 @@
             </p:txBody>
           </p:sp>
         </mc:Choice>
-        <mc:Fallback>
+        <mc:Fallback xmlns="">
           <p:sp>
             <p:nvSpPr>
               <p:cNvPr id="8" name="TextBox 7">
@@ -7639,6 +7671,1508 @@
 </p:sld>
 </file>
 
+<file path=ppt/slides/slide16.xml><?xml version="1.0" encoding="utf-8"?>
+<p:sld xmlns:a="http://schemas.openxmlformats.org/drawingml/2006/main" xmlns:r="http://schemas.openxmlformats.org/officeDocument/2006/relationships" xmlns:p="http://schemas.openxmlformats.org/presentationml/2006/main">
+  <p:cSld>
+    <p:spTree>
+      <p:nvGrpSpPr>
+        <p:cNvPr id="1" name=""/>
+        <p:cNvGrpSpPr/>
+        <p:nvPr/>
+      </p:nvGrpSpPr>
+      <p:grpSpPr>
+        <a:xfrm>
+          <a:off x="0" y="0"/>
+          <a:ext cx="0" cy="0"/>
+          <a:chOff x="0" y="0"/>
+          <a:chExt cx="0" cy="0"/>
+        </a:xfrm>
+      </p:grpSpPr>
+      <p:sp>
+        <p:nvSpPr>
+          <p:cNvPr id="2" name="Title 1">
+            <a:extLst>
+              <a:ext uri="{FF2B5EF4-FFF2-40B4-BE49-F238E27FC236}">
+                <a16:creationId xmlns:a16="http://schemas.microsoft.com/office/drawing/2014/main" id="{CF2D6C41-E3E0-4011-B4A4-4832FC93E979}"/>
+              </a:ext>
+            </a:extLst>
+          </p:cNvPr>
+          <p:cNvSpPr>
+            <a:spLocks noGrp="1"/>
+          </p:cNvSpPr>
+          <p:nvPr>
+            <p:ph type="title"/>
+          </p:nvPr>
+        </p:nvSpPr>
+        <p:spPr/>
+        <p:txBody>
+          <a:bodyPr/>
+          <a:lstStyle/>
+          <a:p>
+            <a:r>
+              <a:rPr lang="en-US" dirty="0"/>
+              <a:t>Comparison across algorithms</a:t>
+            </a:r>
+          </a:p>
+        </p:txBody>
+      </p:sp>
+      <mc:AlternateContent xmlns:mc="http://schemas.openxmlformats.org/markup-compatibility/2006">
+        <mc:Choice xmlns:a14="http://schemas.microsoft.com/office/drawing/2010/main" Requires="a14">
+          <p:graphicFrame>
+            <p:nvGraphicFramePr>
+              <p:cNvPr id="4" name="Table 3">
+                <a:extLst>
+                  <a:ext uri="{FF2B5EF4-FFF2-40B4-BE49-F238E27FC236}">
+                    <a16:creationId xmlns:a16="http://schemas.microsoft.com/office/drawing/2014/main" id="{74D911B0-89C0-466F-B43E-DCCD833AAE4D}"/>
+                  </a:ext>
+                </a:extLst>
+              </p:cNvPr>
+              <p:cNvGraphicFramePr>
+                <a:graphicFrameLocks noGrp="1"/>
+              </p:cNvGraphicFramePr>
+              <p:nvPr>
+                <p:extLst>
+                  <p:ext uri="{D42A27DB-BD31-4B8C-83A1-F6EECF244321}">
+                    <p14:modId xmlns:p14="http://schemas.microsoft.com/office/powerpoint/2010/main" val="1346605719"/>
+                  </p:ext>
+                </p:extLst>
+              </p:nvPr>
+            </p:nvGraphicFramePr>
+            <p:xfrm>
+              <a:off x="677334" y="1834285"/>
+              <a:ext cx="9764888" cy="2828026"/>
+            </p:xfrm>
+            <a:graphic>
+              <a:graphicData uri="http://schemas.openxmlformats.org/drawingml/2006/table">
+                <a:tbl>
+                  <a:tblPr firstRow="1" firstCol="1" bandRow="1">
+                    <a:tableStyleId>{5C22544A-7EE6-4342-B048-85BDC9FD1C3A}</a:tableStyleId>
+                  </a:tblPr>
+                  <a:tblGrid>
+                    <a:gridCol w="3591525">
+                      <a:extLst>
+                        <a:ext uri="{9D8B030D-6E8A-4147-A177-3AD203B41FA5}">
+                          <a16:colId xmlns:a16="http://schemas.microsoft.com/office/drawing/2014/main" val="53738396"/>
+                        </a:ext>
+                      </a:extLst>
+                    </a:gridCol>
+                    <a:gridCol w="2341621">
+                      <a:extLst>
+                        <a:ext uri="{9D8B030D-6E8A-4147-A177-3AD203B41FA5}">
+                          <a16:colId xmlns:a16="http://schemas.microsoft.com/office/drawing/2014/main" val="3734816748"/>
+                        </a:ext>
+                      </a:extLst>
+                    </a:gridCol>
+                    <a:gridCol w="3831742">
+                      <a:extLst>
+                        <a:ext uri="{9D8B030D-6E8A-4147-A177-3AD203B41FA5}">
+                          <a16:colId xmlns:a16="http://schemas.microsoft.com/office/drawing/2014/main" val="2633734232"/>
+                        </a:ext>
+                      </a:extLst>
+                    </a:gridCol>
+                  </a:tblGrid>
+                  <a:tr h="367323">
+                    <a:tc>
+                      <a:txBody>
+                        <a:bodyPr/>
+                        <a:lstStyle/>
+                        <a:p>
+                          <a:pPr marL="0" marR="0" algn="ctr">
+                            <a:lnSpc>
+                              <a:spcPct val="107000"/>
+                            </a:lnSpc>
+                            <a:spcBef>
+                              <a:spcPts val="0"/>
+                            </a:spcBef>
+                            <a:spcAft>
+                              <a:spcPts val="0"/>
+                            </a:spcAft>
+                          </a:pPr>
+                          <a:r>
+                            <a:rPr lang="en-US" sz="1600" dirty="0">
+                              <a:effectLst/>
+                            </a:rPr>
+                            <a:t>Algorithm</a:t>
+                          </a:r>
+                          <a:endParaRPr lang="en-US" sz="1600" dirty="0">
+                            <a:effectLst/>
+                            <a:latin typeface="Times New Roman" panose="02020603050405020304" pitchFamily="18" charset="0"/>
+                            <a:ea typeface="Calibri" panose="020F0502020204030204" pitchFamily="34" charset="0"/>
+                            <a:cs typeface="Times New Roman" panose="02020603050405020304" pitchFamily="18" charset="0"/>
+                          </a:endParaRPr>
+                        </a:p>
+                      </a:txBody>
+                      <a:tcPr marL="68580" marR="68580" marT="0" marB="0"/>
+                    </a:tc>
+                    <a:tc>
+                      <a:txBody>
+                        <a:bodyPr/>
+                        <a:lstStyle/>
+                        <a:p>
+                          <a:pPr marL="0" marR="0" algn="ctr">
+                            <a:lnSpc>
+                              <a:spcPct val="107000"/>
+                            </a:lnSpc>
+                            <a:spcBef>
+                              <a:spcPts val="0"/>
+                            </a:spcBef>
+                            <a:spcAft>
+                              <a:spcPts val="0"/>
+                            </a:spcAft>
+                          </a:pPr>
+                          <a:r>
+                            <a:rPr lang="en-US" sz="1600">
+                              <a:effectLst/>
+                            </a:rPr>
+                            <a:t>Work Done</a:t>
+                          </a:r>
+                          <a:endParaRPr lang="en-US" sz="1600">
+                            <a:effectLst/>
+                            <a:latin typeface="Times New Roman" panose="02020603050405020304" pitchFamily="18" charset="0"/>
+                            <a:ea typeface="Calibri" panose="020F0502020204030204" pitchFamily="34" charset="0"/>
+                            <a:cs typeface="Times New Roman" panose="02020603050405020304" pitchFamily="18" charset="0"/>
+                          </a:endParaRPr>
+                        </a:p>
+                      </a:txBody>
+                      <a:tcPr marL="68580" marR="68580" marT="0" marB="0"/>
+                    </a:tc>
+                    <a:tc>
+                      <a:txBody>
+                        <a:bodyPr/>
+                        <a:lstStyle/>
+                        <a:p>
+                          <a:pPr marL="0" marR="0" algn="ctr">
+                            <a:lnSpc>
+                              <a:spcPct val="107000"/>
+                            </a:lnSpc>
+                            <a:spcBef>
+                              <a:spcPts val="0"/>
+                            </a:spcBef>
+                            <a:spcAft>
+                              <a:spcPts val="0"/>
+                            </a:spcAft>
+                          </a:pPr>
+                          <a:r>
+                            <a:rPr lang="en-US" sz="1600">
+                              <a:effectLst/>
+                            </a:rPr>
+                            <a:t>Actual Time (tested in minutes)</a:t>
+                          </a:r>
+                          <a:endParaRPr lang="en-US" sz="1600">
+                            <a:effectLst/>
+                            <a:latin typeface="Times New Roman" panose="02020603050405020304" pitchFamily="18" charset="0"/>
+                            <a:ea typeface="Calibri" panose="020F0502020204030204" pitchFamily="34" charset="0"/>
+                            <a:cs typeface="Times New Roman" panose="02020603050405020304" pitchFamily="18" charset="0"/>
+                          </a:endParaRPr>
+                        </a:p>
+                      </a:txBody>
+                      <a:tcPr marL="68580" marR="68580" marT="0" marB="0"/>
+                    </a:tc>
+                    <a:extLst>
+                      <a:ext uri="{0D108BD9-81ED-4DB2-BD59-A6C34878D82A}">
+                        <a16:rowId xmlns:a16="http://schemas.microsoft.com/office/drawing/2014/main" val="4032186774"/>
+                      </a:ext>
+                    </a:extLst>
+                  </a:tr>
+                  <a:tr h="761229">
+                    <a:tc>
+                      <a:txBody>
+                        <a:bodyPr/>
+                        <a:lstStyle/>
+                        <a:p>
+                          <a:pPr marL="0" marR="0">
+                            <a:lnSpc>
+                              <a:spcPct val="107000"/>
+                            </a:lnSpc>
+                            <a:spcBef>
+                              <a:spcPts val="0"/>
+                            </a:spcBef>
+                            <a:spcAft>
+                              <a:spcPts val="0"/>
+                            </a:spcAft>
+                          </a:pPr>
+                          <a:r>
+                            <a:rPr lang="en-US" sz="1600" dirty="0">
+                              <a:effectLst/>
+                            </a:rPr>
+                            <a:t>Divide and Conquer - Python</a:t>
+                          </a:r>
+                        </a:p>
+                        <a:p>
+                          <a:pPr marL="0" marR="0">
+                            <a:lnSpc>
+                              <a:spcPct val="107000"/>
+                            </a:lnSpc>
+                            <a:spcBef>
+                              <a:spcPts val="0"/>
+                            </a:spcBef>
+                            <a:spcAft>
+                              <a:spcPts val="0"/>
+                            </a:spcAft>
+                          </a:pPr>
+                          <a:r>
+                            <a:rPr lang="en-US" sz="1600" dirty="0">
+                              <a:effectLst/>
+                            </a:rPr>
+                            <a:t> </a:t>
+                          </a:r>
+                          <a:endParaRPr lang="en-US" sz="1600" dirty="0">
+                            <a:effectLst/>
+                            <a:latin typeface="Times New Roman" panose="02020603050405020304" pitchFamily="18" charset="0"/>
+                            <a:ea typeface="Calibri" panose="020F0502020204030204" pitchFamily="34" charset="0"/>
+                            <a:cs typeface="Times New Roman" panose="02020603050405020304" pitchFamily="18" charset="0"/>
+                          </a:endParaRPr>
+                        </a:p>
+                      </a:txBody>
+                      <a:tcPr marL="68580" marR="68580" marT="0" marB="0"/>
+                    </a:tc>
+                    <a:tc>
+                      <a:txBody>
+                        <a:bodyPr/>
+                        <a:lstStyle/>
+                        <a:p>
+                          <a:pPr marL="0" marR="0">
+                            <a:lnSpc>
+                              <a:spcPct val="150000"/>
+                            </a:lnSpc>
+                            <a:spcBef>
+                              <a:spcPts val="0"/>
+                            </a:spcBef>
+                            <a:spcAft>
+                              <a:spcPts val="0"/>
+                            </a:spcAft>
+                          </a:pPr>
+                          <a14:m>
+                            <m:oMathPara xmlns:m="http://schemas.openxmlformats.org/officeDocument/2006/math">
+                              <m:oMathParaPr>
+                                <m:jc m:val="centerGroup"/>
+                              </m:oMathParaPr>
+                              <m:oMath xmlns:m="http://schemas.openxmlformats.org/officeDocument/2006/math">
+                                <m:r>
+                                  <a:rPr lang="en-US" sz="1600">
+                                    <a:effectLst/>
+                                  </a:rPr>
+                                  <m:t>𝑂</m:t>
+                                </m:r>
+                                <m:d>
+                                  <m:dPr>
+                                    <m:ctrlPr>
+                                      <a:rPr lang="en-US" sz="1600">
+                                        <a:effectLst/>
+                                      </a:rPr>
+                                    </m:ctrlPr>
+                                  </m:dPr>
+                                  <m:e>
+                                    <m:r>
+                                      <a:rPr lang="en-US" sz="1600">
+                                        <a:effectLst/>
+                                      </a:rPr>
+                                      <m:t>𝑛</m:t>
+                                    </m:r>
+                                    <m:r>
+                                      <a:rPr lang="en-US" sz="1600">
+                                        <a:effectLst/>
+                                      </a:rPr>
+                                      <m:t>∗</m:t>
+                                    </m:r>
+                                    <m:func>
+                                      <m:funcPr>
+                                        <m:ctrlPr>
+                                          <a:rPr lang="en-US" sz="1600">
+                                            <a:effectLst/>
+                                          </a:rPr>
+                                        </m:ctrlPr>
+                                      </m:funcPr>
+                                      <m:fName>
+                                        <m:r>
+                                          <m:rPr>
+                                            <m:sty m:val="p"/>
+                                          </m:rPr>
+                                          <a:rPr lang="en-US" sz="1600">
+                                            <a:effectLst/>
+                                          </a:rPr>
+                                          <m:t>log</m:t>
+                                        </m:r>
+                                      </m:fName>
+                                      <m:e>
+                                        <m:r>
+                                          <a:rPr lang="en-US" sz="1600">
+                                            <a:effectLst/>
+                                          </a:rPr>
+                                          <m:t>(</m:t>
+                                        </m:r>
+                                        <m:r>
+                                          <a:rPr lang="en-US" sz="1600">
+                                            <a:effectLst/>
+                                          </a:rPr>
+                                          <m:t>𝑛</m:t>
+                                        </m:r>
+                                        <m:r>
+                                          <a:rPr lang="en-US" sz="1600">
+                                            <a:effectLst/>
+                                          </a:rPr>
+                                          <m:t>)</m:t>
+                                        </m:r>
+                                      </m:e>
+                                    </m:func>
+                                  </m:e>
+                                </m:d>
+                              </m:oMath>
+                            </m:oMathPara>
+                          </a14:m>
+                          <a:endParaRPr lang="en-US" sz="1600" dirty="0">
+                            <a:effectLst/>
+                            <a:latin typeface="Times New Roman" panose="02020603050405020304" pitchFamily="18" charset="0"/>
+                            <a:ea typeface="Calibri" panose="020F0502020204030204" pitchFamily="34" charset="0"/>
+                            <a:cs typeface="Times New Roman" panose="02020603050405020304" pitchFamily="18" charset="0"/>
+                          </a:endParaRPr>
+                        </a:p>
+                      </a:txBody>
+                      <a:tcPr marL="68580" marR="68580" marT="0" marB="0"/>
+                    </a:tc>
+                    <a:tc>
+                      <a:txBody>
+                        <a:bodyPr/>
+                        <a:lstStyle/>
+                        <a:p>
+                          <a:pPr marL="0" marR="0" algn="ctr">
+                            <a:lnSpc>
+                              <a:spcPct val="107000"/>
+                            </a:lnSpc>
+                            <a:spcBef>
+                              <a:spcPts val="0"/>
+                            </a:spcBef>
+                            <a:spcAft>
+                              <a:spcPts val="0"/>
+                            </a:spcAft>
+                          </a:pPr>
+                          <a:r>
+                            <a:rPr lang="en-US" sz="1600">
+                              <a:effectLst/>
+                            </a:rPr>
+                            <a:t>2.45 minutes</a:t>
+                          </a:r>
+                        </a:p>
+                        <a:p>
+                          <a:pPr marL="0" marR="0" algn="ctr">
+                            <a:lnSpc>
+                              <a:spcPct val="107000"/>
+                            </a:lnSpc>
+                            <a:spcBef>
+                              <a:spcPts val="0"/>
+                            </a:spcBef>
+                            <a:spcAft>
+                              <a:spcPts val="0"/>
+                            </a:spcAft>
+                          </a:pPr>
+                          <a:r>
+                            <a:rPr lang="en-US" sz="1600">
+                              <a:effectLst/>
+                            </a:rPr>
+                            <a:t> </a:t>
+                          </a:r>
+                          <a:endParaRPr lang="en-US" sz="1600">
+                            <a:effectLst/>
+                            <a:latin typeface="Times New Roman" panose="02020603050405020304" pitchFamily="18" charset="0"/>
+                            <a:ea typeface="Calibri" panose="020F0502020204030204" pitchFamily="34" charset="0"/>
+                            <a:cs typeface="Times New Roman" panose="02020603050405020304" pitchFamily="18" charset="0"/>
+                          </a:endParaRPr>
+                        </a:p>
+                      </a:txBody>
+                      <a:tcPr marL="68580" marR="68580" marT="0" marB="0"/>
+                    </a:tc>
+                    <a:extLst>
+                      <a:ext uri="{0D108BD9-81ED-4DB2-BD59-A6C34878D82A}">
+                        <a16:rowId xmlns:a16="http://schemas.microsoft.com/office/drawing/2014/main" val="940283324"/>
+                      </a:ext>
+                    </a:extLst>
+                  </a:tr>
+                  <a:tr h="402727">
+                    <a:tc>
+                      <a:txBody>
+                        <a:bodyPr/>
+                        <a:lstStyle/>
+                        <a:p>
+                          <a:pPr marL="0" marR="0">
+                            <a:lnSpc>
+                              <a:spcPct val="107000"/>
+                            </a:lnSpc>
+                            <a:spcBef>
+                              <a:spcPts val="0"/>
+                            </a:spcBef>
+                            <a:spcAft>
+                              <a:spcPts val="0"/>
+                            </a:spcAft>
+                          </a:pPr>
+                          <a:r>
+                            <a:rPr lang="en-US" sz="1600">
+                              <a:effectLst/>
+                            </a:rPr>
+                            <a:t>Brute Force</a:t>
+                          </a:r>
+                          <a:endParaRPr lang="en-US" sz="1600">
+                            <a:effectLst/>
+                            <a:latin typeface="Times New Roman" panose="02020603050405020304" pitchFamily="18" charset="0"/>
+                            <a:ea typeface="Calibri" panose="020F0502020204030204" pitchFamily="34" charset="0"/>
+                            <a:cs typeface="Times New Roman" panose="02020603050405020304" pitchFamily="18" charset="0"/>
+                          </a:endParaRPr>
+                        </a:p>
+                      </a:txBody>
+                      <a:tcPr marL="68580" marR="68580" marT="0" marB="0"/>
+                    </a:tc>
+                    <a:tc>
+                      <a:txBody>
+                        <a:bodyPr/>
+                        <a:lstStyle/>
+                        <a:p>
+                          <a:pPr marL="0" marR="0">
+                            <a:lnSpc>
+                              <a:spcPct val="107000"/>
+                            </a:lnSpc>
+                            <a:spcBef>
+                              <a:spcPts val="0"/>
+                            </a:spcBef>
+                            <a:spcAft>
+                              <a:spcPts val="0"/>
+                            </a:spcAft>
+                          </a:pPr>
+                          <a14:m>
+                            <m:oMathPara xmlns:m="http://schemas.openxmlformats.org/officeDocument/2006/math">
+                              <m:oMathParaPr>
+                                <m:jc m:val="centerGroup"/>
+                              </m:oMathParaPr>
+                              <m:oMath xmlns:m="http://schemas.openxmlformats.org/officeDocument/2006/math">
+                                <m:r>
+                                  <a:rPr lang="en-US" sz="1600">
+                                    <a:effectLst/>
+                                  </a:rPr>
+                                  <m:t>𝑂</m:t>
+                                </m:r>
+                                <m:r>
+                                  <a:rPr lang="en-US" sz="1600">
+                                    <a:effectLst/>
+                                  </a:rPr>
+                                  <m:t>(</m:t>
+                                </m:r>
+                                <m:sSup>
+                                  <m:sSupPr>
+                                    <m:ctrlPr>
+                                      <a:rPr lang="en-US" sz="1600">
+                                        <a:effectLst/>
+                                      </a:rPr>
+                                    </m:ctrlPr>
+                                  </m:sSupPr>
+                                  <m:e>
+                                    <m:r>
+                                      <a:rPr lang="en-US" sz="1600">
+                                        <a:effectLst/>
+                                      </a:rPr>
+                                      <m:t>𝑛</m:t>
+                                    </m:r>
+                                  </m:e>
+                                  <m:sup>
+                                    <m:r>
+                                      <a:rPr lang="en-US" sz="1600">
+                                        <a:effectLst/>
+                                      </a:rPr>
+                                      <m:t>2</m:t>
+                                    </m:r>
+                                  </m:sup>
+                                </m:sSup>
+                                <m:r>
+                                  <a:rPr lang="en-US" sz="1600">
+                                    <a:effectLst/>
+                                  </a:rPr>
+                                  <m:t>−</m:t>
+                                </m:r>
+                                <m:r>
+                                  <a:rPr lang="en-US" sz="1600">
+                                    <a:effectLst/>
+                                  </a:rPr>
+                                  <m:t>𝑛</m:t>
+                                </m:r>
+                                <m:r>
+                                  <a:rPr lang="en-US" sz="1600">
+                                    <a:effectLst/>
+                                  </a:rPr>
+                                  <m:t>)</m:t>
+                                </m:r>
+                              </m:oMath>
+                            </m:oMathPara>
+                          </a14:m>
+                          <a:endParaRPr lang="en-US" sz="1600" dirty="0">
+                            <a:effectLst/>
+                            <a:latin typeface="Times New Roman" panose="02020603050405020304" pitchFamily="18" charset="0"/>
+                            <a:ea typeface="Calibri" panose="020F0502020204030204" pitchFamily="34" charset="0"/>
+                            <a:cs typeface="Times New Roman" panose="02020603050405020304" pitchFamily="18" charset="0"/>
+                          </a:endParaRPr>
+                        </a:p>
+                      </a:txBody>
+                      <a:tcPr marL="68580" marR="68580" marT="0" marB="0"/>
+                    </a:tc>
+                    <a:tc>
+                      <a:txBody>
+                        <a:bodyPr/>
+                        <a:lstStyle/>
+                        <a:p>
+                          <a:pPr marL="0" marR="0" algn="ctr">
+                            <a:lnSpc>
+                              <a:spcPct val="107000"/>
+                            </a:lnSpc>
+                            <a:spcBef>
+                              <a:spcPts val="0"/>
+                            </a:spcBef>
+                            <a:spcAft>
+                              <a:spcPts val="0"/>
+                            </a:spcAft>
+                          </a:pPr>
+                          <a:r>
+                            <a:rPr lang="en-US" sz="1600" dirty="0">
+                              <a:effectLst/>
+                            </a:rPr>
+                            <a:t>4.27 minutes</a:t>
+                          </a:r>
+                          <a:endParaRPr lang="en-US" sz="1600" dirty="0">
+                            <a:effectLst/>
+                            <a:latin typeface="Times New Roman" panose="02020603050405020304" pitchFamily="18" charset="0"/>
+                            <a:ea typeface="Calibri" panose="020F0502020204030204" pitchFamily="34" charset="0"/>
+                            <a:cs typeface="Times New Roman" panose="02020603050405020304" pitchFamily="18" charset="0"/>
+                          </a:endParaRPr>
+                        </a:p>
+                      </a:txBody>
+                      <a:tcPr marL="68580" marR="68580" marT="0" marB="0"/>
+                    </a:tc>
+                    <a:extLst>
+                      <a:ext uri="{0D108BD9-81ED-4DB2-BD59-A6C34878D82A}">
+                        <a16:rowId xmlns:a16="http://schemas.microsoft.com/office/drawing/2014/main" val="3222604879"/>
+                      </a:ext>
+                    </a:extLst>
+                  </a:tr>
+                  <a:tr h="902841">
+                    <a:tc>
+                      <a:txBody>
+                        <a:bodyPr/>
+                        <a:lstStyle/>
+                        <a:p>
+                          <a:pPr marL="0" marR="0">
+                            <a:lnSpc>
+                              <a:spcPct val="107000"/>
+                            </a:lnSpc>
+                            <a:spcBef>
+                              <a:spcPts val="0"/>
+                            </a:spcBef>
+                            <a:spcAft>
+                              <a:spcPts val="0"/>
+                            </a:spcAft>
+                          </a:pPr>
+                          <a:r>
+                            <a:rPr lang="en-US" sz="1600">
+                              <a:effectLst/>
+                            </a:rPr>
+                            <a:t>Brute Force Alternative</a:t>
+                          </a:r>
+                          <a:endParaRPr lang="en-US" sz="1600">
+                            <a:effectLst/>
+                            <a:latin typeface="Times New Roman" panose="02020603050405020304" pitchFamily="18" charset="0"/>
+                            <a:ea typeface="Calibri" panose="020F0502020204030204" pitchFamily="34" charset="0"/>
+                            <a:cs typeface="Times New Roman" panose="02020603050405020304" pitchFamily="18" charset="0"/>
+                          </a:endParaRPr>
+                        </a:p>
+                      </a:txBody>
+                      <a:tcPr marL="68580" marR="68580" marT="0" marB="0"/>
+                    </a:tc>
+                    <a:tc>
+                      <a:txBody>
+                        <a:bodyPr/>
+                        <a:lstStyle/>
+                        <a:p>
+                          <a:pPr marL="0" marR="0">
+                            <a:lnSpc>
+                              <a:spcPct val="107000"/>
+                            </a:lnSpc>
+                            <a:spcBef>
+                              <a:spcPts val="0"/>
+                            </a:spcBef>
+                            <a:spcAft>
+                              <a:spcPts val="0"/>
+                            </a:spcAft>
+                          </a:pPr>
+                          <a14:m>
+                            <m:oMathPara xmlns:m="http://schemas.openxmlformats.org/officeDocument/2006/math">
+                              <m:oMathParaPr>
+                                <m:jc m:val="centerGroup"/>
+                              </m:oMathParaPr>
+                              <m:oMath xmlns:m="http://schemas.openxmlformats.org/officeDocument/2006/math">
+                                <m:r>
+                                  <a:rPr lang="en-US" sz="1600">
+                                    <a:effectLst/>
+                                  </a:rPr>
+                                  <m:t>𝑂</m:t>
+                                </m:r>
+                                <m:d>
+                                  <m:dPr>
+                                    <m:ctrlPr>
+                                      <a:rPr lang="en-US" sz="1600">
+                                        <a:effectLst/>
+                                      </a:rPr>
+                                    </m:ctrlPr>
+                                  </m:dPr>
+                                  <m:e>
+                                    <m:f>
+                                      <m:fPr>
+                                        <m:ctrlPr>
+                                          <a:rPr lang="en-US" sz="1600">
+                                            <a:effectLst/>
+                                          </a:rPr>
+                                        </m:ctrlPr>
+                                      </m:fPr>
+                                      <m:num>
+                                        <m:sSup>
+                                          <m:sSupPr>
+                                            <m:ctrlPr>
+                                              <a:rPr lang="en-US" sz="1600">
+                                                <a:effectLst/>
+                                              </a:rPr>
+                                            </m:ctrlPr>
+                                          </m:sSupPr>
+                                          <m:e>
+                                            <m:r>
+                                              <a:rPr lang="en-US" sz="1600">
+                                                <a:effectLst/>
+                                              </a:rPr>
+                                              <m:t>𝑛</m:t>
+                                            </m:r>
+                                          </m:e>
+                                          <m:sup>
+                                            <m:r>
+                                              <a:rPr lang="en-US" sz="1600">
+                                                <a:effectLst/>
+                                              </a:rPr>
+                                              <m:t>2</m:t>
+                                            </m:r>
+                                          </m:sup>
+                                        </m:sSup>
+                                        <m:r>
+                                          <a:rPr lang="en-US" sz="1600">
+                                            <a:effectLst/>
+                                          </a:rPr>
+                                          <m:t>−</m:t>
+                                        </m:r>
+                                        <m:r>
+                                          <a:rPr lang="en-US" sz="1600">
+                                            <a:effectLst/>
+                                          </a:rPr>
+                                          <m:t>𝑛</m:t>
+                                        </m:r>
+                                      </m:num>
+                                      <m:den>
+                                        <m:r>
+                                          <a:rPr lang="en-US" sz="1600">
+                                            <a:effectLst/>
+                                          </a:rPr>
+                                          <m:t>2</m:t>
+                                        </m:r>
+                                      </m:den>
+                                    </m:f>
+                                  </m:e>
+                                </m:d>
+                              </m:oMath>
+                            </m:oMathPara>
+                          </a14:m>
+                          <a:endParaRPr lang="en-US" sz="1600">
+                            <a:effectLst/>
+                            <a:latin typeface="Times New Roman" panose="02020603050405020304" pitchFamily="18" charset="0"/>
+                            <a:ea typeface="Calibri" panose="020F0502020204030204" pitchFamily="34" charset="0"/>
+                            <a:cs typeface="Times New Roman" panose="02020603050405020304" pitchFamily="18" charset="0"/>
+                          </a:endParaRPr>
+                        </a:p>
+                      </a:txBody>
+                      <a:tcPr marL="68580" marR="68580" marT="0" marB="0"/>
+                    </a:tc>
+                    <a:tc>
+                      <a:txBody>
+                        <a:bodyPr/>
+                        <a:lstStyle/>
+                        <a:p>
+                          <a:pPr marL="0" marR="0" algn="ctr">
+                            <a:lnSpc>
+                              <a:spcPct val="107000"/>
+                            </a:lnSpc>
+                            <a:spcBef>
+                              <a:spcPts val="0"/>
+                            </a:spcBef>
+                            <a:spcAft>
+                              <a:spcPts val="0"/>
+                            </a:spcAft>
+                          </a:pPr>
+                          <a:r>
+                            <a:rPr lang="en-US" sz="1600" dirty="0">
+                              <a:effectLst/>
+                            </a:rPr>
+                            <a:t>9.15 minutes</a:t>
+                          </a:r>
+                          <a:endParaRPr lang="en-US" sz="1600" dirty="0">
+                            <a:effectLst/>
+                            <a:latin typeface="Times New Roman" panose="02020603050405020304" pitchFamily="18" charset="0"/>
+                            <a:ea typeface="Calibri" panose="020F0502020204030204" pitchFamily="34" charset="0"/>
+                            <a:cs typeface="Times New Roman" panose="02020603050405020304" pitchFamily="18" charset="0"/>
+                          </a:endParaRPr>
+                        </a:p>
+                      </a:txBody>
+                      <a:tcPr marL="68580" marR="68580" marT="0" marB="0"/>
+                    </a:tc>
+                    <a:extLst>
+                      <a:ext uri="{0D108BD9-81ED-4DB2-BD59-A6C34878D82A}">
+                        <a16:rowId xmlns:a16="http://schemas.microsoft.com/office/drawing/2014/main" val="3378536060"/>
+                      </a:ext>
+                    </a:extLst>
+                  </a:tr>
+                  <a:tr h="393906">
+                    <a:tc>
+                      <a:txBody>
+                        <a:bodyPr/>
+                        <a:lstStyle/>
+                        <a:p>
+                          <a:pPr marL="0" marR="0">
+                            <a:lnSpc>
+                              <a:spcPct val="107000"/>
+                            </a:lnSpc>
+                            <a:spcBef>
+                              <a:spcPts val="0"/>
+                            </a:spcBef>
+                            <a:spcAft>
+                              <a:spcPts val="0"/>
+                            </a:spcAft>
+                          </a:pPr>
+                          <a:r>
+                            <a:rPr lang="en-US" sz="1600">
+                              <a:effectLst/>
+                            </a:rPr>
+                            <a:t>Divide and Conquer - VBA</a:t>
+                          </a:r>
+                          <a:endParaRPr lang="en-US" sz="1600">
+                            <a:effectLst/>
+                            <a:latin typeface="Times New Roman" panose="02020603050405020304" pitchFamily="18" charset="0"/>
+                            <a:ea typeface="Calibri" panose="020F0502020204030204" pitchFamily="34" charset="0"/>
+                            <a:cs typeface="Times New Roman" panose="02020603050405020304" pitchFamily="18" charset="0"/>
+                          </a:endParaRPr>
+                        </a:p>
+                      </a:txBody>
+                      <a:tcPr marL="68580" marR="68580" marT="0" marB="0"/>
+                    </a:tc>
+                    <a:tc>
+                      <a:txBody>
+                        <a:bodyPr/>
+                        <a:lstStyle/>
+                        <a:p>
+                          <a:pPr marL="0" marR="0">
+                            <a:lnSpc>
+                              <a:spcPct val="107000"/>
+                            </a:lnSpc>
+                            <a:spcBef>
+                              <a:spcPts val="0"/>
+                            </a:spcBef>
+                            <a:spcAft>
+                              <a:spcPts val="0"/>
+                            </a:spcAft>
+                          </a:pPr>
+                          <a14:m>
+                            <m:oMathPara xmlns:m="http://schemas.openxmlformats.org/officeDocument/2006/math">
+                              <m:oMathParaPr>
+                                <m:jc m:val="centerGroup"/>
+                              </m:oMathParaPr>
+                              <m:oMath xmlns:m="http://schemas.openxmlformats.org/officeDocument/2006/math">
+                                <m:r>
+                                  <a:rPr lang="en-US" sz="1600">
+                                    <a:effectLst/>
+                                  </a:rPr>
+                                  <m:t>𝑂</m:t>
+                                </m:r>
+                                <m:d>
+                                  <m:dPr>
+                                    <m:ctrlPr>
+                                      <a:rPr lang="en-US" sz="1600">
+                                        <a:effectLst/>
+                                      </a:rPr>
+                                    </m:ctrlPr>
+                                  </m:dPr>
+                                  <m:e>
+                                    <m:r>
+                                      <a:rPr lang="en-US" sz="1600">
+                                        <a:effectLst/>
+                                      </a:rPr>
+                                      <m:t>𝑛</m:t>
+                                    </m:r>
+                                    <m:r>
+                                      <a:rPr lang="en-US" sz="1600">
+                                        <a:effectLst/>
+                                      </a:rPr>
+                                      <m:t>∗</m:t>
+                                    </m:r>
+                                    <m:func>
+                                      <m:funcPr>
+                                        <m:ctrlPr>
+                                          <a:rPr lang="en-US" sz="1600">
+                                            <a:effectLst/>
+                                          </a:rPr>
+                                        </m:ctrlPr>
+                                      </m:funcPr>
+                                      <m:fName>
+                                        <m:r>
+                                          <m:rPr>
+                                            <m:sty m:val="p"/>
+                                          </m:rPr>
+                                          <a:rPr lang="en-US" sz="1600">
+                                            <a:effectLst/>
+                                          </a:rPr>
+                                          <m:t>log</m:t>
+                                        </m:r>
+                                      </m:fName>
+                                      <m:e>
+                                        <m:r>
+                                          <a:rPr lang="en-US" sz="1600">
+                                            <a:effectLst/>
+                                          </a:rPr>
+                                          <m:t>(</m:t>
+                                        </m:r>
+                                        <m:r>
+                                          <a:rPr lang="en-US" sz="1600">
+                                            <a:effectLst/>
+                                          </a:rPr>
+                                          <m:t>𝑛</m:t>
+                                        </m:r>
+                                        <m:r>
+                                          <a:rPr lang="en-US" sz="1600">
+                                            <a:effectLst/>
+                                          </a:rPr>
+                                          <m:t>)</m:t>
+                                        </m:r>
+                                      </m:e>
+                                    </m:func>
+                                  </m:e>
+                                </m:d>
+                              </m:oMath>
+                            </m:oMathPara>
+                          </a14:m>
+                          <a:endParaRPr lang="en-US" sz="1600">
+                            <a:effectLst/>
+                            <a:latin typeface="Times New Roman" panose="02020603050405020304" pitchFamily="18" charset="0"/>
+                            <a:ea typeface="Calibri" panose="020F0502020204030204" pitchFamily="34" charset="0"/>
+                            <a:cs typeface="Times New Roman" panose="02020603050405020304" pitchFamily="18" charset="0"/>
+                          </a:endParaRPr>
+                        </a:p>
+                      </a:txBody>
+                      <a:tcPr marL="68580" marR="68580" marT="0" marB="0"/>
+                    </a:tc>
+                    <a:tc>
+                      <a:txBody>
+                        <a:bodyPr/>
+                        <a:lstStyle/>
+                        <a:p>
+                          <a:pPr marL="0" marR="0" algn="ctr">
+                            <a:lnSpc>
+                              <a:spcPct val="107000"/>
+                            </a:lnSpc>
+                            <a:spcBef>
+                              <a:spcPts val="0"/>
+                            </a:spcBef>
+                            <a:spcAft>
+                              <a:spcPts val="0"/>
+                            </a:spcAft>
+                          </a:pPr>
+                          <a:r>
+                            <a:rPr lang="en-US" sz="1600" dirty="0">
+                              <a:effectLst/>
+                            </a:rPr>
+                            <a:t>9 minutes</a:t>
+                          </a:r>
+                          <a:endParaRPr lang="en-US" sz="1600" dirty="0">
+                            <a:effectLst/>
+                            <a:latin typeface="Times New Roman" panose="02020603050405020304" pitchFamily="18" charset="0"/>
+                            <a:ea typeface="Calibri" panose="020F0502020204030204" pitchFamily="34" charset="0"/>
+                            <a:cs typeface="Times New Roman" panose="02020603050405020304" pitchFamily="18" charset="0"/>
+                          </a:endParaRPr>
+                        </a:p>
+                      </a:txBody>
+                      <a:tcPr marL="68580" marR="68580" marT="0" marB="0"/>
+                    </a:tc>
+                    <a:extLst>
+                      <a:ext uri="{0D108BD9-81ED-4DB2-BD59-A6C34878D82A}">
+                        <a16:rowId xmlns:a16="http://schemas.microsoft.com/office/drawing/2014/main" val="2263987961"/>
+                      </a:ext>
+                    </a:extLst>
+                  </a:tr>
+                </a:tbl>
+              </a:graphicData>
+            </a:graphic>
+          </p:graphicFrame>
+        </mc:Choice>
+        <mc:Fallback>
+          <p:graphicFrame>
+            <p:nvGraphicFramePr>
+              <p:cNvPr id="4" name="Table 3">
+                <a:extLst>
+                  <a:ext uri="{FF2B5EF4-FFF2-40B4-BE49-F238E27FC236}">
+                    <a16:creationId xmlns:a16="http://schemas.microsoft.com/office/drawing/2014/main" id="{74D911B0-89C0-466F-B43E-DCCD833AAE4D}"/>
+                  </a:ext>
+                </a:extLst>
+              </p:cNvPr>
+              <p:cNvGraphicFramePr>
+                <a:graphicFrameLocks noGrp="1"/>
+              </p:cNvGraphicFramePr>
+              <p:nvPr>
+                <p:extLst>
+                  <p:ext uri="{D42A27DB-BD31-4B8C-83A1-F6EECF244321}">
+                    <p14:modId xmlns:p14="http://schemas.microsoft.com/office/powerpoint/2010/main" val="1346605719"/>
+                  </p:ext>
+                </p:extLst>
+              </p:nvPr>
+            </p:nvGraphicFramePr>
+            <p:xfrm>
+              <a:off x="677334" y="1834285"/>
+              <a:ext cx="9764888" cy="2828026"/>
+            </p:xfrm>
+            <a:graphic>
+              <a:graphicData uri="http://schemas.openxmlformats.org/drawingml/2006/table">
+                <a:tbl>
+                  <a:tblPr firstRow="1" firstCol="1" bandRow="1">
+                    <a:tableStyleId>{5C22544A-7EE6-4342-B048-85BDC9FD1C3A}</a:tableStyleId>
+                  </a:tblPr>
+                  <a:tblGrid>
+                    <a:gridCol w="3591525">
+                      <a:extLst>
+                        <a:ext uri="{9D8B030D-6E8A-4147-A177-3AD203B41FA5}">
+                          <a16:colId xmlns:a16="http://schemas.microsoft.com/office/drawing/2014/main" val="53738396"/>
+                        </a:ext>
+                      </a:extLst>
+                    </a:gridCol>
+                    <a:gridCol w="2341621">
+                      <a:extLst>
+                        <a:ext uri="{9D8B030D-6E8A-4147-A177-3AD203B41FA5}">
+                          <a16:colId xmlns:a16="http://schemas.microsoft.com/office/drawing/2014/main" val="3734816748"/>
+                        </a:ext>
+                      </a:extLst>
+                    </a:gridCol>
+                    <a:gridCol w="3831742">
+                      <a:extLst>
+                        <a:ext uri="{9D8B030D-6E8A-4147-A177-3AD203B41FA5}">
+                          <a16:colId xmlns:a16="http://schemas.microsoft.com/office/drawing/2014/main" val="2633734232"/>
+                        </a:ext>
+                      </a:extLst>
+                    </a:gridCol>
+                  </a:tblGrid>
+                  <a:tr h="367323">
+                    <a:tc>
+                      <a:txBody>
+                        <a:bodyPr/>
+                        <a:lstStyle/>
+                        <a:p>
+                          <a:pPr marL="0" marR="0" algn="ctr">
+                            <a:lnSpc>
+                              <a:spcPct val="107000"/>
+                            </a:lnSpc>
+                            <a:spcBef>
+                              <a:spcPts val="0"/>
+                            </a:spcBef>
+                            <a:spcAft>
+                              <a:spcPts val="0"/>
+                            </a:spcAft>
+                          </a:pPr>
+                          <a:r>
+                            <a:rPr lang="en-US" sz="1600" dirty="0">
+                              <a:effectLst/>
+                            </a:rPr>
+                            <a:t>Algorithm</a:t>
+                          </a:r>
+                          <a:endParaRPr lang="en-US" sz="1600" dirty="0">
+                            <a:effectLst/>
+                            <a:latin typeface="Times New Roman" panose="02020603050405020304" pitchFamily="18" charset="0"/>
+                            <a:ea typeface="Calibri" panose="020F0502020204030204" pitchFamily="34" charset="0"/>
+                            <a:cs typeface="Times New Roman" panose="02020603050405020304" pitchFamily="18" charset="0"/>
+                          </a:endParaRPr>
+                        </a:p>
+                      </a:txBody>
+                      <a:tcPr marL="68580" marR="68580" marT="0" marB="0"/>
+                    </a:tc>
+                    <a:tc>
+                      <a:txBody>
+                        <a:bodyPr/>
+                        <a:lstStyle/>
+                        <a:p>
+                          <a:pPr marL="0" marR="0" algn="ctr">
+                            <a:lnSpc>
+                              <a:spcPct val="107000"/>
+                            </a:lnSpc>
+                            <a:spcBef>
+                              <a:spcPts val="0"/>
+                            </a:spcBef>
+                            <a:spcAft>
+                              <a:spcPts val="0"/>
+                            </a:spcAft>
+                          </a:pPr>
+                          <a:r>
+                            <a:rPr lang="en-US" sz="1600">
+                              <a:effectLst/>
+                            </a:rPr>
+                            <a:t>Work Done</a:t>
+                          </a:r>
+                          <a:endParaRPr lang="en-US" sz="1600">
+                            <a:effectLst/>
+                            <a:latin typeface="Times New Roman" panose="02020603050405020304" pitchFamily="18" charset="0"/>
+                            <a:ea typeface="Calibri" panose="020F0502020204030204" pitchFamily="34" charset="0"/>
+                            <a:cs typeface="Times New Roman" panose="02020603050405020304" pitchFamily="18" charset="0"/>
+                          </a:endParaRPr>
+                        </a:p>
+                      </a:txBody>
+                      <a:tcPr marL="68580" marR="68580" marT="0" marB="0"/>
+                    </a:tc>
+                    <a:tc>
+                      <a:txBody>
+                        <a:bodyPr/>
+                        <a:lstStyle/>
+                        <a:p>
+                          <a:pPr marL="0" marR="0" algn="ctr">
+                            <a:lnSpc>
+                              <a:spcPct val="107000"/>
+                            </a:lnSpc>
+                            <a:spcBef>
+                              <a:spcPts val="0"/>
+                            </a:spcBef>
+                            <a:spcAft>
+                              <a:spcPts val="0"/>
+                            </a:spcAft>
+                          </a:pPr>
+                          <a:r>
+                            <a:rPr lang="en-US" sz="1600">
+                              <a:effectLst/>
+                            </a:rPr>
+                            <a:t>Actual Time (tested in minutes)</a:t>
+                          </a:r>
+                          <a:endParaRPr lang="en-US" sz="1600">
+                            <a:effectLst/>
+                            <a:latin typeface="Times New Roman" panose="02020603050405020304" pitchFamily="18" charset="0"/>
+                            <a:ea typeface="Calibri" panose="020F0502020204030204" pitchFamily="34" charset="0"/>
+                            <a:cs typeface="Times New Roman" panose="02020603050405020304" pitchFamily="18" charset="0"/>
+                          </a:endParaRPr>
+                        </a:p>
+                      </a:txBody>
+                      <a:tcPr marL="68580" marR="68580" marT="0" marB="0"/>
+                    </a:tc>
+                    <a:extLst>
+                      <a:ext uri="{0D108BD9-81ED-4DB2-BD59-A6C34878D82A}">
+                        <a16:rowId xmlns:a16="http://schemas.microsoft.com/office/drawing/2014/main" val="4032186774"/>
+                      </a:ext>
+                    </a:extLst>
+                  </a:tr>
+                  <a:tr h="761229">
+                    <a:tc>
+                      <a:txBody>
+                        <a:bodyPr/>
+                        <a:lstStyle/>
+                        <a:p>
+                          <a:pPr marL="0" marR="0">
+                            <a:lnSpc>
+                              <a:spcPct val="107000"/>
+                            </a:lnSpc>
+                            <a:spcBef>
+                              <a:spcPts val="0"/>
+                            </a:spcBef>
+                            <a:spcAft>
+                              <a:spcPts val="0"/>
+                            </a:spcAft>
+                          </a:pPr>
+                          <a:r>
+                            <a:rPr lang="en-US" sz="1600" dirty="0">
+                              <a:effectLst/>
+                            </a:rPr>
+                            <a:t>Divide and Conquer - Python</a:t>
+                          </a:r>
+                        </a:p>
+                        <a:p>
+                          <a:pPr marL="0" marR="0">
+                            <a:lnSpc>
+                              <a:spcPct val="107000"/>
+                            </a:lnSpc>
+                            <a:spcBef>
+                              <a:spcPts val="0"/>
+                            </a:spcBef>
+                            <a:spcAft>
+                              <a:spcPts val="0"/>
+                            </a:spcAft>
+                          </a:pPr>
+                          <a:r>
+                            <a:rPr lang="en-US" sz="1600" dirty="0">
+                              <a:effectLst/>
+                            </a:rPr>
+                            <a:t> </a:t>
+                          </a:r>
+                          <a:endParaRPr lang="en-US" sz="1600" dirty="0">
+                            <a:effectLst/>
+                            <a:latin typeface="Times New Roman" panose="02020603050405020304" pitchFamily="18" charset="0"/>
+                            <a:ea typeface="Calibri" panose="020F0502020204030204" pitchFamily="34" charset="0"/>
+                            <a:cs typeface="Times New Roman" panose="02020603050405020304" pitchFamily="18" charset="0"/>
+                          </a:endParaRPr>
+                        </a:p>
+                      </a:txBody>
+                      <a:tcPr marL="68580" marR="68580" marT="0" marB="0"/>
+                    </a:tc>
+                    <a:tc>
+                      <a:txBody>
+                        <a:bodyPr/>
+                        <a:lstStyle/>
+                        <a:p>
+                          <a:endParaRPr lang="en-US"/>
+                        </a:p>
+                      </a:txBody>
+                      <a:tcPr marL="68580" marR="68580" marT="0" marB="0">
+                        <a:blipFill>
+                          <a:blip r:embed="rId2"/>
+                          <a:stretch>
+                            <a:fillRect l="-153646" t="-56349" r="-165104" b="-223016"/>
+                          </a:stretch>
+                        </a:blipFill>
+                      </a:tcPr>
+                    </a:tc>
+                    <a:tc>
+                      <a:txBody>
+                        <a:bodyPr/>
+                        <a:lstStyle/>
+                        <a:p>
+                          <a:pPr marL="0" marR="0" algn="ctr">
+                            <a:lnSpc>
+                              <a:spcPct val="107000"/>
+                            </a:lnSpc>
+                            <a:spcBef>
+                              <a:spcPts val="0"/>
+                            </a:spcBef>
+                            <a:spcAft>
+                              <a:spcPts val="0"/>
+                            </a:spcAft>
+                          </a:pPr>
+                          <a:r>
+                            <a:rPr lang="en-US" sz="1600">
+                              <a:effectLst/>
+                            </a:rPr>
+                            <a:t>2.45 minutes</a:t>
+                          </a:r>
+                        </a:p>
+                        <a:p>
+                          <a:pPr marL="0" marR="0" algn="ctr">
+                            <a:lnSpc>
+                              <a:spcPct val="107000"/>
+                            </a:lnSpc>
+                            <a:spcBef>
+                              <a:spcPts val="0"/>
+                            </a:spcBef>
+                            <a:spcAft>
+                              <a:spcPts val="0"/>
+                            </a:spcAft>
+                          </a:pPr>
+                          <a:r>
+                            <a:rPr lang="en-US" sz="1600">
+                              <a:effectLst/>
+                            </a:rPr>
+                            <a:t> </a:t>
+                          </a:r>
+                          <a:endParaRPr lang="en-US" sz="1600">
+                            <a:effectLst/>
+                            <a:latin typeface="Times New Roman" panose="02020603050405020304" pitchFamily="18" charset="0"/>
+                            <a:ea typeface="Calibri" panose="020F0502020204030204" pitchFamily="34" charset="0"/>
+                            <a:cs typeface="Times New Roman" panose="02020603050405020304" pitchFamily="18" charset="0"/>
+                          </a:endParaRPr>
+                        </a:p>
+                      </a:txBody>
+                      <a:tcPr marL="68580" marR="68580" marT="0" marB="0"/>
+                    </a:tc>
+                    <a:extLst>
+                      <a:ext uri="{0D108BD9-81ED-4DB2-BD59-A6C34878D82A}">
+                        <a16:rowId xmlns:a16="http://schemas.microsoft.com/office/drawing/2014/main" val="940283324"/>
+                      </a:ext>
+                    </a:extLst>
+                  </a:tr>
+                  <a:tr h="402727">
+                    <a:tc>
+                      <a:txBody>
+                        <a:bodyPr/>
+                        <a:lstStyle/>
+                        <a:p>
+                          <a:pPr marL="0" marR="0">
+                            <a:lnSpc>
+                              <a:spcPct val="107000"/>
+                            </a:lnSpc>
+                            <a:spcBef>
+                              <a:spcPts val="0"/>
+                            </a:spcBef>
+                            <a:spcAft>
+                              <a:spcPts val="0"/>
+                            </a:spcAft>
+                          </a:pPr>
+                          <a:r>
+                            <a:rPr lang="en-US" sz="1600">
+                              <a:effectLst/>
+                            </a:rPr>
+                            <a:t>Brute Force</a:t>
+                          </a:r>
+                          <a:endParaRPr lang="en-US" sz="1600">
+                            <a:effectLst/>
+                            <a:latin typeface="Times New Roman" panose="02020603050405020304" pitchFamily="18" charset="0"/>
+                            <a:ea typeface="Calibri" panose="020F0502020204030204" pitchFamily="34" charset="0"/>
+                            <a:cs typeface="Times New Roman" panose="02020603050405020304" pitchFamily="18" charset="0"/>
+                          </a:endParaRPr>
+                        </a:p>
+                      </a:txBody>
+                      <a:tcPr marL="68580" marR="68580" marT="0" marB="0"/>
+                    </a:tc>
+                    <a:tc>
+                      <a:txBody>
+                        <a:bodyPr/>
+                        <a:lstStyle/>
+                        <a:p>
+                          <a:endParaRPr lang="en-US"/>
+                        </a:p>
+                      </a:txBody>
+                      <a:tcPr marL="68580" marR="68580" marT="0" marB="0">
+                        <a:blipFill>
+                          <a:blip r:embed="rId2"/>
+                          <a:stretch>
+                            <a:fillRect l="-153646" t="-298485" r="-165104" b="-325758"/>
+                          </a:stretch>
+                        </a:blipFill>
+                      </a:tcPr>
+                    </a:tc>
+                    <a:tc>
+                      <a:txBody>
+                        <a:bodyPr/>
+                        <a:lstStyle/>
+                        <a:p>
+                          <a:pPr marL="0" marR="0" algn="ctr">
+                            <a:lnSpc>
+                              <a:spcPct val="107000"/>
+                            </a:lnSpc>
+                            <a:spcBef>
+                              <a:spcPts val="0"/>
+                            </a:spcBef>
+                            <a:spcAft>
+                              <a:spcPts val="0"/>
+                            </a:spcAft>
+                          </a:pPr>
+                          <a:r>
+                            <a:rPr lang="en-US" sz="1600" dirty="0">
+                              <a:effectLst/>
+                            </a:rPr>
+                            <a:t>4.27 minutes</a:t>
+                          </a:r>
+                          <a:endParaRPr lang="en-US" sz="1600" dirty="0">
+                            <a:effectLst/>
+                            <a:latin typeface="Times New Roman" panose="02020603050405020304" pitchFamily="18" charset="0"/>
+                            <a:ea typeface="Calibri" panose="020F0502020204030204" pitchFamily="34" charset="0"/>
+                            <a:cs typeface="Times New Roman" panose="02020603050405020304" pitchFamily="18" charset="0"/>
+                          </a:endParaRPr>
+                        </a:p>
+                      </a:txBody>
+                      <a:tcPr marL="68580" marR="68580" marT="0" marB="0"/>
+                    </a:tc>
+                    <a:extLst>
+                      <a:ext uri="{0D108BD9-81ED-4DB2-BD59-A6C34878D82A}">
+                        <a16:rowId xmlns:a16="http://schemas.microsoft.com/office/drawing/2014/main" val="3222604879"/>
+                      </a:ext>
+                    </a:extLst>
+                  </a:tr>
+                  <a:tr h="902841">
+                    <a:tc>
+                      <a:txBody>
+                        <a:bodyPr/>
+                        <a:lstStyle/>
+                        <a:p>
+                          <a:pPr marL="0" marR="0">
+                            <a:lnSpc>
+                              <a:spcPct val="107000"/>
+                            </a:lnSpc>
+                            <a:spcBef>
+                              <a:spcPts val="0"/>
+                            </a:spcBef>
+                            <a:spcAft>
+                              <a:spcPts val="0"/>
+                            </a:spcAft>
+                          </a:pPr>
+                          <a:r>
+                            <a:rPr lang="en-US" sz="1600">
+                              <a:effectLst/>
+                            </a:rPr>
+                            <a:t>Brute Force Alternative</a:t>
+                          </a:r>
+                          <a:endParaRPr lang="en-US" sz="1600">
+                            <a:effectLst/>
+                            <a:latin typeface="Times New Roman" panose="02020603050405020304" pitchFamily="18" charset="0"/>
+                            <a:ea typeface="Calibri" panose="020F0502020204030204" pitchFamily="34" charset="0"/>
+                            <a:cs typeface="Times New Roman" panose="02020603050405020304" pitchFamily="18" charset="0"/>
+                          </a:endParaRPr>
+                        </a:p>
+                      </a:txBody>
+                      <a:tcPr marL="68580" marR="68580" marT="0" marB="0"/>
+                    </a:tc>
+                    <a:tc>
+                      <a:txBody>
+                        <a:bodyPr/>
+                        <a:lstStyle/>
+                        <a:p>
+                          <a:endParaRPr lang="en-US"/>
+                        </a:p>
+                      </a:txBody>
+                      <a:tcPr marL="68580" marR="68580" marT="0" marB="0">
+                        <a:blipFill>
+                          <a:blip r:embed="rId2"/>
+                          <a:stretch>
+                            <a:fillRect l="-153646" t="-177703" r="-165104" b="-45270"/>
+                          </a:stretch>
+                        </a:blipFill>
+                      </a:tcPr>
+                    </a:tc>
+                    <a:tc>
+                      <a:txBody>
+                        <a:bodyPr/>
+                        <a:lstStyle/>
+                        <a:p>
+                          <a:pPr marL="0" marR="0" algn="ctr">
+                            <a:lnSpc>
+                              <a:spcPct val="107000"/>
+                            </a:lnSpc>
+                            <a:spcBef>
+                              <a:spcPts val="0"/>
+                            </a:spcBef>
+                            <a:spcAft>
+                              <a:spcPts val="0"/>
+                            </a:spcAft>
+                          </a:pPr>
+                          <a:r>
+                            <a:rPr lang="en-US" sz="1600" dirty="0">
+                              <a:effectLst/>
+                            </a:rPr>
+                            <a:t>9.15 minutes</a:t>
+                          </a:r>
+                          <a:endParaRPr lang="en-US" sz="1600" dirty="0">
+                            <a:effectLst/>
+                            <a:latin typeface="Times New Roman" panose="02020603050405020304" pitchFamily="18" charset="0"/>
+                            <a:ea typeface="Calibri" panose="020F0502020204030204" pitchFamily="34" charset="0"/>
+                            <a:cs typeface="Times New Roman" panose="02020603050405020304" pitchFamily="18" charset="0"/>
+                          </a:endParaRPr>
+                        </a:p>
+                      </a:txBody>
+                      <a:tcPr marL="68580" marR="68580" marT="0" marB="0"/>
+                    </a:tc>
+                    <a:extLst>
+                      <a:ext uri="{0D108BD9-81ED-4DB2-BD59-A6C34878D82A}">
+                        <a16:rowId xmlns:a16="http://schemas.microsoft.com/office/drawing/2014/main" val="3378536060"/>
+                      </a:ext>
+                    </a:extLst>
+                  </a:tr>
+                  <a:tr h="393906">
+                    <a:tc>
+                      <a:txBody>
+                        <a:bodyPr/>
+                        <a:lstStyle/>
+                        <a:p>
+                          <a:pPr marL="0" marR="0">
+                            <a:lnSpc>
+                              <a:spcPct val="107000"/>
+                            </a:lnSpc>
+                            <a:spcBef>
+                              <a:spcPts val="0"/>
+                            </a:spcBef>
+                            <a:spcAft>
+                              <a:spcPts val="0"/>
+                            </a:spcAft>
+                          </a:pPr>
+                          <a:r>
+                            <a:rPr lang="en-US" sz="1600">
+                              <a:effectLst/>
+                            </a:rPr>
+                            <a:t>Divide and Conquer - VBA</a:t>
+                          </a:r>
+                          <a:endParaRPr lang="en-US" sz="1600">
+                            <a:effectLst/>
+                            <a:latin typeface="Times New Roman" panose="02020603050405020304" pitchFamily="18" charset="0"/>
+                            <a:ea typeface="Calibri" panose="020F0502020204030204" pitchFamily="34" charset="0"/>
+                            <a:cs typeface="Times New Roman" panose="02020603050405020304" pitchFamily="18" charset="0"/>
+                          </a:endParaRPr>
+                        </a:p>
+                      </a:txBody>
+                      <a:tcPr marL="68580" marR="68580" marT="0" marB="0"/>
+                    </a:tc>
+                    <a:tc>
+                      <a:txBody>
+                        <a:bodyPr/>
+                        <a:lstStyle/>
+                        <a:p>
+                          <a:endParaRPr lang="en-US"/>
+                        </a:p>
+                      </a:txBody>
+                      <a:tcPr marL="68580" marR="68580" marT="0" marB="0">
+                        <a:blipFill>
+                          <a:blip r:embed="rId2"/>
+                          <a:stretch>
+                            <a:fillRect l="-153646" t="-632308" r="-165104" b="-3077"/>
+                          </a:stretch>
+                        </a:blipFill>
+                      </a:tcPr>
+                    </a:tc>
+                    <a:tc>
+                      <a:txBody>
+                        <a:bodyPr/>
+                        <a:lstStyle/>
+                        <a:p>
+                          <a:pPr marL="0" marR="0" algn="ctr">
+                            <a:lnSpc>
+                              <a:spcPct val="107000"/>
+                            </a:lnSpc>
+                            <a:spcBef>
+                              <a:spcPts val="0"/>
+                            </a:spcBef>
+                            <a:spcAft>
+                              <a:spcPts val="0"/>
+                            </a:spcAft>
+                          </a:pPr>
+                          <a:r>
+                            <a:rPr lang="en-US" sz="1600" dirty="0">
+                              <a:effectLst/>
+                            </a:rPr>
+                            <a:t>9 minutes</a:t>
+                          </a:r>
+                          <a:endParaRPr lang="en-US" sz="1600" dirty="0">
+                            <a:effectLst/>
+                            <a:latin typeface="Times New Roman" panose="02020603050405020304" pitchFamily="18" charset="0"/>
+                            <a:ea typeface="Calibri" panose="020F0502020204030204" pitchFamily="34" charset="0"/>
+                            <a:cs typeface="Times New Roman" panose="02020603050405020304" pitchFamily="18" charset="0"/>
+                          </a:endParaRPr>
+                        </a:p>
+                      </a:txBody>
+                      <a:tcPr marL="68580" marR="68580" marT="0" marB="0"/>
+                    </a:tc>
+                    <a:extLst>
+                      <a:ext uri="{0D108BD9-81ED-4DB2-BD59-A6C34878D82A}">
+                        <a16:rowId xmlns:a16="http://schemas.microsoft.com/office/drawing/2014/main" val="2263987961"/>
+                      </a:ext>
+                    </a:extLst>
+                  </a:tr>
+                </a:tbl>
+              </a:graphicData>
+            </a:graphic>
+          </p:graphicFrame>
+        </mc:Fallback>
+      </mc:AlternateContent>
+    </p:spTree>
+    <p:extLst>
+      <p:ext uri="{BB962C8B-B14F-4D97-AF65-F5344CB8AC3E}">
+        <p14:creationId xmlns:p14="http://schemas.microsoft.com/office/powerpoint/2010/main" val="3214277478"/>
+      </p:ext>
+    </p:extLst>
+  </p:cSld>
+  <p:clrMapOvr>
+    <a:masterClrMapping/>
+  </p:clrMapOvr>
+</p:sld>
+</file>
+
 <file path=ppt/slides/slide2.xml><?xml version="1.0" encoding="utf-8"?>
 <p:sld xmlns:a="http://schemas.openxmlformats.org/drawingml/2006/main" xmlns:r="http://schemas.openxmlformats.org/officeDocument/2006/relationships" xmlns:p="http://schemas.openxmlformats.org/presentationml/2006/main">
   <p:cSld>
@@ -7847,8 +9381,8 @@
           </a:p>
         </p:txBody>
       </p:sp>
-      <mc:AlternateContent xmlns:mc="http://schemas.openxmlformats.org/markup-compatibility/2006">
-        <mc:Choice xmlns:a14="http://schemas.microsoft.com/office/drawing/2010/main" Requires="a14">
+      <mc:AlternateContent xmlns:mc="http://schemas.openxmlformats.org/markup-compatibility/2006" xmlns:a14="http://schemas.microsoft.com/office/drawing/2010/main">
+        <mc:Choice Requires="a14">
           <p:sp>
             <p:nvSpPr>
               <p:cNvPr id="3" name="Content Placeholder 2">
@@ -8288,7 +9822,7 @@
             </p:txBody>
           </p:sp>
         </mc:Choice>
-        <mc:Fallback>
+        <mc:Fallback xmlns="">
           <p:sp>
             <p:nvSpPr>
               <p:cNvPr id="3" name="Content Placeholder 2">
